--- a/The OfficePPT.pptx
+++ b/The OfficePPT.pptx
@@ -108,6 +108,11 @@
       </a:defRPr>
     </a:lvl9pPr>
   </p:defaultTextStyle>
+  <p:extLst>
+    <p:ext uri="{EFAFB233-063F-42B5-8137-9DF3F51BA10A}">
+      <p15:sldGuideLst xmlns:p15="http://schemas.microsoft.com/office/powerpoint/2012/main"/>
+    </p:ext>
+  </p:extLst>
 </p:presentation>
 </file>
 
@@ -4024,20 +4029,61 @@
           <a:p>
             <a:r>
               <a:rPr lang="en-US" dirty="0" smtClean="0"/>
-              <a:t>Using Code Conventions like camel-casing, comments</a:t>
-            </a:r>
-          </a:p>
-          <a:p>
+              <a:t>Using Code Conventions like camel-casing, </a:t>
+            </a:r>
+            <a:r>
+              <a:rPr lang="en-US" dirty="0" smtClean="0"/>
+              <a:t>comments</a:t>
+            </a:r>
+          </a:p>
+          <a:p>
+            <a:r>
+              <a:rPr lang="en-US" dirty="0" smtClean="0"/>
+              <a:t>Using MySQL Database</a:t>
+            </a:r>
             <a:endParaRPr lang="en-US" dirty="0" smtClean="0"/>
           </a:p>
           <a:p>
             <a:endParaRPr lang="en-US" dirty="0" smtClean="0"/>
           </a:p>
           <a:p>
-            <a:endParaRPr lang="en-US" dirty="0"/>
-          </a:p>
-        </p:txBody>
-      </p:sp>
+            <a:endParaRPr lang="en-US" dirty="0" smtClean="0"/>
+          </a:p>
+          <a:p>
+            <a:endParaRPr lang="en-US" dirty="0"/>
+          </a:p>
+        </p:txBody>
+      </p:sp>
+      <p:pic>
+        <p:nvPicPr>
+          <p:cNvPr id="5" name="Picture 4"/>
+          <p:cNvPicPr>
+            <a:picLocks noChangeAspect="1"/>
+          </p:cNvPicPr>
+          <p:nvPr/>
+        </p:nvPicPr>
+        <p:blipFill>
+          <a:blip r:embed="rId2">
+            <a:extLst>
+              <a:ext uri="{28A0092B-C50C-407E-A947-70E740481C1C}">
+                <a14:useLocalDpi xmlns:a14="http://schemas.microsoft.com/office/drawing/2010/main" val="0"/>
+              </a:ext>
+            </a:extLst>
+          </a:blip>
+          <a:stretch>
+            <a:fillRect/>
+          </a:stretch>
+        </p:blipFill>
+        <p:spPr>
+          <a:xfrm>
+            <a:off x="4563410" y="4666944"/>
+            <a:ext cx="3962953" cy="2191056"/>
+          </a:xfrm>
+          <a:prstGeom prst="rect">
+            <a:avLst/>
+          </a:prstGeom>
+        </p:spPr>
+      </p:pic>
     </p:spTree>
     <p:extLst>
       <p:ext uri="{BB962C8B-B14F-4D97-AF65-F5344CB8AC3E}">
@@ -4108,21 +4154,39 @@
           <a:lstStyle/>
           <a:p>
             <a:r>
-              <a:rPr lang="en-US" dirty="0" smtClean="0"/>
+              <a:rPr lang="en-US" sz="3600" dirty="0" smtClean="0"/>
               <a:t>Resolving GitHub Conflicts</a:t>
             </a:r>
           </a:p>
           <a:p>
             <a:r>
-              <a:rPr lang="en-US" dirty="0" smtClean="0"/>
-              <a:t>Combining different approaches in one project</a:t>
-            </a:r>
-          </a:p>
-          <a:p>
-            <a:r>
-              <a:rPr lang="en-US" dirty="0" smtClean="0"/>
-              <a:t>Challenges with Eclipse and resolving bugs, errors, like server connection…</a:t>
-            </a:r>
+              <a:rPr lang="en-US" sz="3600" dirty="0" smtClean="0"/>
+              <a:t>Combining different approaches in one </a:t>
+            </a:r>
+            <a:r>
+              <a:rPr lang="en-US" sz="3600" dirty="0" smtClean="0"/>
+              <a:t>project</a:t>
+            </a:r>
+            <a:endParaRPr lang="en-US" sz="3600" dirty="0" smtClean="0"/>
+          </a:p>
+          <a:p>
+            <a:r>
+              <a:rPr lang="en-US" sz="3600" dirty="0" smtClean="0"/>
+              <a:t>Challenges with Eclipse and resolving bugs, errors, like server connection</a:t>
+            </a:r>
+            <a:r>
+              <a:rPr lang="en-US" sz="3600" dirty="0" smtClean="0"/>
+              <a:t>…</a:t>
+            </a:r>
+          </a:p>
+          <a:p>
+            <a:pPr marL="0" indent="0">
+              <a:buNone/>
+            </a:pPr>
+            <a:endParaRPr lang="en-US" dirty="0" smtClean="0"/>
+          </a:p>
+          <a:p>
+            <a:endParaRPr lang="en-US" dirty="0" smtClean="0"/>
           </a:p>
           <a:p>
             <a:endParaRPr lang="en-US" dirty="0" smtClean="0"/>
@@ -4209,7 +4273,45 @@
           <a:bodyPr/>
           <a:lstStyle/>
           <a:p>
-            <a:endParaRPr lang="en-US"/>
+            <a:r>
+              <a:rPr lang="en-US" dirty="0" smtClean="0"/>
+              <a:t>How to create Maven Project</a:t>
+            </a:r>
+          </a:p>
+          <a:p>
+            <a:r>
+              <a:rPr lang="en-US" dirty="0"/>
+              <a:t>How </a:t>
+            </a:r>
+            <a:r>
+              <a:rPr lang="en-US" dirty="0" smtClean="0"/>
+              <a:t>to implement MVC architecture</a:t>
+            </a:r>
+          </a:p>
+          <a:p>
+            <a:r>
+              <a:rPr lang="en-US" dirty="0"/>
+              <a:t>How to </a:t>
+            </a:r>
+            <a:r>
+              <a:rPr lang="en-US" dirty="0" smtClean="0"/>
+              <a:t>use </a:t>
+            </a:r>
+            <a:r>
+              <a:rPr lang="en-US" dirty="0" smtClean="0"/>
+              <a:t>Sessions</a:t>
+            </a:r>
+          </a:p>
+          <a:p>
+            <a:r>
+              <a:rPr lang="en-US" dirty="0"/>
+              <a:t>How </a:t>
+            </a:r>
+            <a:r>
+              <a:rPr lang="en-US" dirty="0" smtClean="0"/>
+              <a:t>to </a:t>
+            </a:r>
+            <a:endParaRPr lang="en-US" dirty="0"/>
           </a:p>
         </p:txBody>
       </p:sp>
@@ -4277,7 +4379,7 @@
           <a:bodyPr/>
           <a:lstStyle/>
           <a:p>
-            <a:endParaRPr lang="en-US"/>
+            <a:endParaRPr lang="en-US" dirty="0"/>
           </a:p>
         </p:txBody>
       </p:sp>

--- a/The OfficePPT.pptx
+++ b/The OfficePPT.pptx
@@ -7,9 +7,10 @@
   <p:sldIdLst>
     <p:sldId id="256" r:id="rId2"/>
     <p:sldId id="257" r:id="rId3"/>
-    <p:sldId id="258" r:id="rId4"/>
-    <p:sldId id="259" r:id="rId5"/>
-    <p:sldId id="260" r:id="rId6"/>
+    <p:sldId id="261" r:id="rId4"/>
+    <p:sldId id="258" r:id="rId5"/>
+    <p:sldId id="259" r:id="rId6"/>
+    <p:sldId id="260" r:id="rId7"/>
   </p:sldIdLst>
   <p:sldSz cx="12192000" cy="6858000"/>
   <p:notesSz cx="6858000" cy="9144000"/>
@@ -116,6 +117,10 @@
 </p:presentation>
 </file>
 
+<file path=ppt/revisionInfo.xml><?xml version="1.0" encoding="utf-8"?>
+<p1510:revInfo xmlns:a="http://schemas.openxmlformats.org/drawingml/2006/main" xmlns:r="http://schemas.openxmlformats.org/officeDocument/2006/relationships" xmlns:p1510="http://schemas.microsoft.com/office/powerpoint/2015/10/main"/>
+</file>
+
 <file path=ppt/slideLayouts/slideLayout1.xml><?xml version="1.0" encoding="utf-8"?>
 <p:sldLayout xmlns:a="http://schemas.openxmlformats.org/drawingml/2006/main" xmlns:r="http://schemas.openxmlformats.org/officeDocument/2006/relationships" xmlns:p="http://schemas.openxmlformats.org/presentationml/2006/main" showMasterSp="0" type="title" preserve="1">
   <p:cSld name="Title Slide">
@@ -172,7 +177,7 @@
           </a:lstStyle>
           <a:p>
             <a:r>
-              <a:rPr lang="en-US" smtClean="0"/>
+              <a:rPr lang="en-US"/>
               <a:t>Click to edit Master title style</a:t>
             </a:r>
             <a:endParaRPr lang="en-US" dirty="0"/>
@@ -248,7 +253,7 @@
           </a:lstStyle>
           <a:p>
             <a:r>
-              <a:rPr lang="en-US" smtClean="0"/>
+              <a:rPr lang="en-US"/>
               <a:t>Click to edit Master subtitle style</a:t>
             </a:r>
             <a:endParaRPr lang="en-US" dirty="0"/>
@@ -531,7 +536,7 @@
           <a:lstStyle/>
           <a:p>
             <a:r>
-              <a:rPr lang="en-US" smtClean="0"/>
+              <a:rPr lang="en-US"/>
               <a:t>Click to edit Master title style</a:t>
             </a:r>
             <a:endParaRPr lang="en-US" dirty="0"/>
@@ -560,35 +565,35 @@
           <a:p>
             <a:pPr lvl="0"/>
             <a:r>
-              <a:rPr lang="en-US" smtClean="0"/>
+              <a:rPr lang="en-US"/>
               <a:t>Edit Master text styles</a:t>
             </a:r>
           </a:p>
           <a:p>
             <a:pPr lvl="1"/>
             <a:r>
-              <a:rPr lang="en-US" smtClean="0"/>
+              <a:rPr lang="en-US"/>
               <a:t>Second level</a:t>
             </a:r>
           </a:p>
           <a:p>
             <a:pPr lvl="2"/>
             <a:r>
-              <a:rPr lang="en-US" smtClean="0"/>
+              <a:rPr lang="en-US"/>
               <a:t>Third level</a:t>
             </a:r>
           </a:p>
           <a:p>
             <a:pPr lvl="3"/>
             <a:r>
-              <a:rPr lang="en-US" smtClean="0"/>
+              <a:rPr lang="en-US"/>
               <a:t>Fourth level</a:t>
             </a:r>
           </a:p>
           <a:p>
             <a:pPr lvl="4"/>
             <a:r>
-              <a:rPr lang="en-US" smtClean="0"/>
+              <a:rPr lang="en-US"/>
               <a:t>Fifth level</a:t>
             </a:r>
             <a:endParaRPr lang="en-US" dirty="0"/>
@@ -706,7 +711,7 @@
           <a:lstStyle/>
           <a:p>
             <a:r>
-              <a:rPr lang="en-US" smtClean="0"/>
+              <a:rPr lang="en-US"/>
               <a:t>Click to edit Master title style</a:t>
             </a:r>
             <a:endParaRPr lang="en-US" dirty="0"/>
@@ -735,35 +740,35 @@
           <a:p>
             <a:pPr lvl="0"/>
             <a:r>
-              <a:rPr lang="en-US" smtClean="0"/>
+              <a:rPr lang="en-US"/>
               <a:t>Edit Master text styles</a:t>
             </a:r>
           </a:p>
           <a:p>
             <a:pPr lvl="1"/>
             <a:r>
-              <a:rPr lang="en-US" smtClean="0"/>
+              <a:rPr lang="en-US"/>
               <a:t>Second level</a:t>
             </a:r>
           </a:p>
           <a:p>
             <a:pPr lvl="2"/>
             <a:r>
-              <a:rPr lang="en-US" smtClean="0"/>
+              <a:rPr lang="en-US"/>
               <a:t>Third level</a:t>
             </a:r>
           </a:p>
           <a:p>
             <a:pPr lvl="3"/>
             <a:r>
-              <a:rPr lang="en-US" smtClean="0"/>
+              <a:rPr lang="en-US"/>
               <a:t>Fourth level</a:t>
             </a:r>
           </a:p>
           <a:p>
             <a:pPr lvl="4"/>
             <a:r>
-              <a:rPr lang="en-US" smtClean="0"/>
+              <a:rPr lang="en-US"/>
               <a:t>Fifth level</a:t>
             </a:r>
             <a:endParaRPr lang="en-US" dirty="0"/>
@@ -876,7 +881,7 @@
           <a:lstStyle/>
           <a:p>
             <a:r>
-              <a:rPr lang="en-US" smtClean="0"/>
+              <a:rPr lang="en-US"/>
               <a:t>Click to edit Master title style</a:t>
             </a:r>
             <a:endParaRPr lang="en-US" dirty="0"/>
@@ -900,35 +905,35 @@
           <a:p>
             <a:pPr lvl="0"/>
             <a:r>
-              <a:rPr lang="en-US" smtClean="0"/>
+              <a:rPr lang="en-US"/>
               <a:t>Edit Master text styles</a:t>
             </a:r>
           </a:p>
           <a:p>
             <a:pPr lvl="1"/>
             <a:r>
-              <a:rPr lang="en-US" smtClean="0"/>
+              <a:rPr lang="en-US"/>
               <a:t>Second level</a:t>
             </a:r>
           </a:p>
           <a:p>
             <a:pPr lvl="2"/>
             <a:r>
-              <a:rPr lang="en-US" smtClean="0"/>
+              <a:rPr lang="en-US"/>
               <a:t>Third level</a:t>
             </a:r>
           </a:p>
           <a:p>
             <a:pPr lvl="3"/>
             <a:r>
-              <a:rPr lang="en-US" smtClean="0"/>
+              <a:rPr lang="en-US"/>
               <a:t>Fourth level</a:t>
             </a:r>
           </a:p>
           <a:p>
             <a:pPr lvl="4"/>
             <a:r>
-              <a:rPr lang="en-US" smtClean="0"/>
+              <a:rPr lang="en-US"/>
               <a:t>Fifth level</a:t>
             </a:r>
             <a:endParaRPr lang="en-US" dirty="0"/>
@@ -1061,7 +1066,7 @@
           </a:lstStyle>
           <a:p>
             <a:r>
-              <a:rPr lang="en-US" smtClean="0"/>
+              <a:rPr lang="en-US"/>
               <a:t>Click to edit Master title style</a:t>
             </a:r>
             <a:endParaRPr lang="en-US" dirty="0"/>
@@ -1188,7 +1193,7 @@
           <a:p>
             <a:pPr lvl="0"/>
             <a:r>
-              <a:rPr lang="en-US" smtClean="0"/>
+              <a:rPr lang="en-US"/>
               <a:t>Edit Master text styles</a:t>
             </a:r>
           </a:p>
@@ -1405,7 +1410,7 @@
           </a:lstStyle>
           <a:p>
             <a:r>
-              <a:rPr lang="en-US" smtClean="0"/>
+              <a:rPr lang="en-US"/>
               <a:t>Click to edit Master title style</a:t>
             </a:r>
             <a:endParaRPr lang="en-US" dirty="0"/>
@@ -1470,35 +1475,35 @@
           <a:p>
             <a:pPr lvl="0"/>
             <a:r>
-              <a:rPr lang="en-US" smtClean="0"/>
+              <a:rPr lang="en-US"/>
               <a:t>Edit Master text styles</a:t>
             </a:r>
           </a:p>
           <a:p>
             <a:pPr lvl="1"/>
             <a:r>
-              <a:rPr lang="en-US" smtClean="0"/>
+              <a:rPr lang="en-US"/>
               <a:t>Second level</a:t>
             </a:r>
           </a:p>
           <a:p>
             <a:pPr lvl="2"/>
             <a:r>
-              <a:rPr lang="en-US" smtClean="0"/>
+              <a:rPr lang="en-US"/>
               <a:t>Third level</a:t>
             </a:r>
           </a:p>
           <a:p>
             <a:pPr lvl="3"/>
             <a:r>
-              <a:rPr lang="en-US" smtClean="0"/>
+              <a:rPr lang="en-US"/>
               <a:t>Fourth level</a:t>
             </a:r>
           </a:p>
           <a:p>
             <a:pPr lvl="4"/>
             <a:r>
-              <a:rPr lang="en-US" smtClean="0"/>
+              <a:rPr lang="en-US"/>
               <a:t>Fifth level</a:t>
             </a:r>
             <a:endParaRPr lang="en-US" dirty="0"/>
@@ -1563,35 +1568,35 @@
           <a:p>
             <a:pPr lvl="0"/>
             <a:r>
-              <a:rPr lang="en-US" smtClean="0"/>
+              <a:rPr lang="en-US"/>
               <a:t>Edit Master text styles</a:t>
             </a:r>
           </a:p>
           <a:p>
             <a:pPr lvl="1"/>
             <a:r>
-              <a:rPr lang="en-US" smtClean="0"/>
+              <a:rPr lang="en-US"/>
               <a:t>Second level</a:t>
             </a:r>
           </a:p>
           <a:p>
             <a:pPr lvl="2"/>
             <a:r>
-              <a:rPr lang="en-US" smtClean="0"/>
+              <a:rPr lang="en-US"/>
               <a:t>Third level</a:t>
             </a:r>
           </a:p>
           <a:p>
             <a:pPr lvl="3"/>
             <a:r>
-              <a:rPr lang="en-US" smtClean="0"/>
+              <a:rPr lang="en-US"/>
               <a:t>Fourth level</a:t>
             </a:r>
           </a:p>
           <a:p>
             <a:pPr lvl="4"/>
             <a:r>
-              <a:rPr lang="en-US" smtClean="0"/>
+              <a:rPr lang="en-US"/>
               <a:t>Fifth level</a:t>
             </a:r>
             <a:endParaRPr lang="en-US" dirty="0"/>
@@ -1717,7 +1722,7 @@
           </a:lstStyle>
           <a:p>
             <a:r>
-              <a:rPr lang="en-US" smtClean="0"/>
+              <a:rPr lang="en-US"/>
               <a:t>Click to edit Master title style</a:t>
             </a:r>
             <a:endParaRPr lang="en-US" dirty="0"/>
@@ -1798,7 +1803,7 @@
           <a:p>
             <a:pPr lvl="0"/>
             <a:r>
-              <a:rPr lang="en-US" smtClean="0"/>
+              <a:rPr lang="en-US"/>
               <a:t>Edit Master text styles</a:t>
             </a:r>
           </a:p>
@@ -1862,35 +1867,35 @@
           <a:p>
             <a:pPr lvl="0"/>
             <a:r>
-              <a:rPr lang="en-US" smtClean="0"/>
+              <a:rPr lang="en-US"/>
               <a:t>Edit Master text styles</a:t>
             </a:r>
           </a:p>
           <a:p>
             <a:pPr lvl="1"/>
             <a:r>
-              <a:rPr lang="en-US" smtClean="0"/>
+              <a:rPr lang="en-US"/>
               <a:t>Second level</a:t>
             </a:r>
           </a:p>
           <a:p>
             <a:pPr lvl="2"/>
             <a:r>
-              <a:rPr lang="en-US" smtClean="0"/>
+              <a:rPr lang="en-US"/>
               <a:t>Third level</a:t>
             </a:r>
           </a:p>
           <a:p>
             <a:pPr lvl="3"/>
             <a:r>
-              <a:rPr lang="en-US" smtClean="0"/>
+              <a:rPr lang="en-US"/>
               <a:t>Fourth level</a:t>
             </a:r>
           </a:p>
           <a:p>
             <a:pPr lvl="4"/>
             <a:r>
-              <a:rPr lang="en-US" smtClean="0"/>
+              <a:rPr lang="en-US"/>
               <a:t>Fifth level</a:t>
             </a:r>
             <a:endParaRPr lang="en-US" dirty="0"/>
@@ -1971,7 +1976,7 @@
           <a:p>
             <a:pPr lvl="0"/>
             <a:r>
-              <a:rPr lang="en-US" smtClean="0"/>
+              <a:rPr lang="en-US"/>
               <a:t>Edit Master text styles</a:t>
             </a:r>
           </a:p>
@@ -2035,35 +2040,35 @@
           <a:p>
             <a:pPr lvl="0"/>
             <a:r>
-              <a:rPr lang="en-US" smtClean="0"/>
+              <a:rPr lang="en-US"/>
               <a:t>Edit Master text styles</a:t>
             </a:r>
           </a:p>
           <a:p>
             <a:pPr lvl="1"/>
             <a:r>
-              <a:rPr lang="en-US" smtClean="0"/>
+              <a:rPr lang="en-US"/>
               <a:t>Second level</a:t>
             </a:r>
           </a:p>
           <a:p>
             <a:pPr lvl="2"/>
             <a:r>
-              <a:rPr lang="en-US" smtClean="0"/>
+              <a:rPr lang="en-US"/>
               <a:t>Third level</a:t>
             </a:r>
           </a:p>
           <a:p>
             <a:pPr lvl="3"/>
             <a:r>
-              <a:rPr lang="en-US" smtClean="0"/>
+              <a:rPr lang="en-US"/>
               <a:t>Fourth level</a:t>
             </a:r>
           </a:p>
           <a:p>
             <a:pPr lvl="4"/>
             <a:r>
-              <a:rPr lang="en-US" smtClean="0"/>
+              <a:rPr lang="en-US"/>
               <a:t>Fifth level</a:t>
             </a:r>
             <a:endParaRPr lang="en-US" dirty="0"/>
@@ -2176,7 +2181,7 @@
           <a:lstStyle/>
           <a:p>
             <a:r>
-              <a:rPr lang="en-US" smtClean="0"/>
+              <a:rPr lang="en-US"/>
               <a:t>Click to edit Master title style</a:t>
             </a:r>
             <a:endParaRPr lang="en-US" dirty="0"/>
@@ -2435,7 +2440,7 @@
           </a:lstStyle>
           <a:p>
             <a:r>
-              <a:rPr lang="en-US" smtClean="0"/>
+              <a:rPr lang="en-US"/>
               <a:t>Click to edit Master title style</a:t>
             </a:r>
             <a:endParaRPr lang="en-US" dirty="0"/>
@@ -2492,35 +2497,35 @@
           <a:p>
             <a:pPr lvl="0"/>
             <a:r>
-              <a:rPr lang="en-US" smtClean="0"/>
+              <a:rPr lang="en-US"/>
               <a:t>Edit Master text styles</a:t>
             </a:r>
           </a:p>
           <a:p>
             <a:pPr lvl="1"/>
             <a:r>
-              <a:rPr lang="en-US" smtClean="0"/>
+              <a:rPr lang="en-US"/>
               <a:t>Second level</a:t>
             </a:r>
           </a:p>
           <a:p>
             <a:pPr lvl="2"/>
             <a:r>
-              <a:rPr lang="en-US" smtClean="0"/>
+              <a:rPr lang="en-US"/>
               <a:t>Third level</a:t>
             </a:r>
           </a:p>
           <a:p>
             <a:pPr lvl="3"/>
             <a:r>
-              <a:rPr lang="en-US" smtClean="0"/>
+              <a:rPr lang="en-US"/>
               <a:t>Fourth level</a:t>
             </a:r>
           </a:p>
           <a:p>
             <a:pPr lvl="4"/>
             <a:r>
-              <a:rPr lang="en-US" smtClean="0"/>
+              <a:rPr lang="en-US"/>
               <a:t>Fifth level</a:t>
             </a:r>
             <a:endParaRPr lang="en-US" dirty="0"/>
@@ -2595,7 +2600,7 @@
           <a:p>
             <a:pPr lvl="0"/>
             <a:r>
-              <a:rPr lang="en-US" smtClean="0"/>
+              <a:rPr lang="en-US"/>
               <a:t>Edit Master text styles</a:t>
             </a:r>
           </a:p>
@@ -2838,7 +2843,7 @@
           </a:lstStyle>
           <a:p>
             <a:r>
-              <a:rPr lang="en-US" smtClean="0"/>
+              <a:rPr lang="en-US"/>
               <a:t>Click to edit Master title style</a:t>
             </a:r>
             <a:endParaRPr lang="en-US" dirty="0"/>
@@ -2905,7 +2910,7 @@
           </a:lstStyle>
           <a:p>
             <a:r>
-              <a:rPr lang="en-US" smtClean="0"/>
+              <a:rPr lang="en-US"/>
               <a:t>Click icon to add picture</a:t>
             </a:r>
             <a:endParaRPr lang="en-US" dirty="0"/>
@@ -2980,7 +2985,7 @@
           <a:p>
             <a:pPr lvl="0"/>
             <a:r>
-              <a:rPr lang="en-US" smtClean="0"/>
+              <a:rPr lang="en-US"/>
               <a:t>Edit Master text styles</a:t>
             </a:r>
           </a:p>
@@ -3189,7 +3194,7 @@
           <a:lstStyle/>
           <a:p>
             <a:r>
-              <a:rPr lang="en-US" smtClean="0"/>
+              <a:rPr lang="en-US"/>
               <a:t>Click to edit Master title style</a:t>
             </a:r>
             <a:endParaRPr lang="en-US" dirty="0"/>
@@ -3223,35 +3228,35 @@
           <a:p>
             <a:pPr lvl="0"/>
             <a:r>
-              <a:rPr lang="en-US" smtClean="0"/>
+              <a:rPr lang="en-US"/>
               <a:t>Edit Master text styles</a:t>
             </a:r>
           </a:p>
           <a:p>
             <a:pPr lvl="1"/>
             <a:r>
-              <a:rPr lang="en-US" smtClean="0"/>
+              <a:rPr lang="en-US"/>
               <a:t>Second level</a:t>
             </a:r>
           </a:p>
           <a:p>
             <a:pPr lvl="2"/>
             <a:r>
-              <a:rPr lang="en-US" smtClean="0"/>
+              <a:rPr lang="en-US"/>
               <a:t>Third level</a:t>
             </a:r>
           </a:p>
           <a:p>
             <a:pPr lvl="3"/>
             <a:r>
-              <a:rPr lang="en-US" smtClean="0"/>
+              <a:rPr lang="en-US"/>
               <a:t>Fourth level</a:t>
             </a:r>
           </a:p>
           <a:p>
             <a:pPr lvl="4"/>
             <a:r>
-              <a:rPr lang="en-US" smtClean="0"/>
+              <a:rPr lang="en-US"/>
               <a:t>Fifth level</a:t>
             </a:r>
             <a:endParaRPr lang="en-US" dirty="0"/>
@@ -3818,15 +3823,15 @@
           <a:lstStyle/>
           <a:p>
             <a:r>
-              <a:rPr lang="en-US" dirty="0" smtClean="0"/>
+              <a:rPr lang="en-US" dirty="0"/>
               <a:t>Team leader: Roberto Di </a:t>
             </a:r>
             <a:r>
-              <a:rPr lang="en-US" dirty="0" err="1" smtClean="0"/>
+              <a:rPr lang="en-US" dirty="0" err="1"/>
               <a:t>Biase</a:t>
             </a:r>
             <a:r>
-              <a:rPr lang="en-US" dirty="0" smtClean="0"/>
+              <a:rPr lang="en-US" dirty="0"/>
               <a:t>,</a:t>
             </a:r>
           </a:p>
@@ -3841,48 +3846,43 @@
             </a:r>
             <a:r>
               <a:rPr lang="en-US" dirty="0"/>
-              <a:t>, </a:t>
-            </a:r>
-            <a:r>
-              <a:rPr lang="en-US" dirty="0" smtClean="0"/>
-              <a:t>Anita </a:t>
-            </a:r>
-            <a:r>
-              <a:rPr lang="en-US" dirty="0" err="1" smtClean="0"/>
+              <a:t>, Anita </a:t>
+            </a:r>
+            <a:r>
+              <a:rPr lang="en-US" dirty="0" err="1"/>
               <a:t>Mirshahi</a:t>
-            </a:r>
-            <a:r>
-              <a:rPr lang="en-US" dirty="0" smtClean="0"/>
-              <a:t>, </a:t>
-            </a:r>
-            <a:r>
-              <a:rPr lang="en-US" dirty="0" err="1" smtClean="0"/>
-              <a:t>Dmitrii</a:t>
-            </a:r>
-            <a:r>
-              <a:rPr lang="en-US" dirty="0" smtClean="0"/>
-              <a:t> </a:t>
-            </a:r>
-            <a:r>
-              <a:rPr lang="en-US" dirty="0" err="1" smtClean="0"/>
-              <a:t>Kudrik</a:t>
             </a:r>
             <a:r>
               <a:rPr lang="en-US" dirty="0"/>
               <a:t>, </a:t>
             </a:r>
-            <a:endParaRPr lang="en-US" dirty="0" smtClean="0"/>
-          </a:p>
-          <a:p>
-            <a:r>
-              <a:rPr lang="en-US" dirty="0" smtClean="0"/>
+            <a:r>
+              <a:rPr lang="en-US" dirty="0" err="1"/>
+              <a:t>Dmitrii</a:t>
+            </a:r>
+            <a:r>
+              <a:rPr lang="en-US" dirty="0"/>
+              <a:t> </a:t>
+            </a:r>
+            <a:r>
+              <a:rPr lang="en-US" dirty="0" err="1"/>
+              <a:t>Kudrik</a:t>
+            </a:r>
+            <a:r>
+              <a:rPr lang="en-US" dirty="0"/>
+              <a:t>, </a:t>
+            </a:r>
+          </a:p>
+          <a:p>
+            <a:r>
+              <a:rPr lang="en-US" dirty="0"/>
               <a:t> &amp; Valini </a:t>
             </a:r>
             <a:r>
-              <a:rPr lang="en-US" dirty="0" err="1" smtClean="0"/>
+              <a:rPr lang="en-US" dirty="0" err="1"/>
               <a:t>Rangasamy</a:t>
             </a:r>
-            <a:endParaRPr lang="en-US" dirty="0" smtClean="0"/>
+            <a:endParaRPr lang="en-US" dirty="0"/>
           </a:p>
           <a:p>
             <a:endParaRPr lang="en-US" dirty="0"/>
@@ -3966,10 +3966,9 @@
           <a:p>
             <a:pPr algn="ctr"/>
             <a:r>
-              <a:rPr lang="en-US" dirty="0" smtClean="0"/>
+              <a:rPr lang="en-US" dirty="0"/>
               <a:t>Standards used in our project</a:t>
             </a:r>
-            <a:endParaRPr lang="en-US" dirty="0"/>
           </a:p>
         </p:txBody>
       </p:sp>
@@ -3985,105 +3984,54 @@
         </p:nvSpPr>
         <p:spPr/>
         <p:txBody>
-          <a:bodyPr/>
+          <a:bodyPr>
+            <a:normAutofit fontScale="92500" lnSpcReduction="10000"/>
+          </a:bodyPr>
           <a:lstStyle/>
           <a:p>
             <a:r>
-              <a:rPr lang="en-US" dirty="0" smtClean="0"/>
+              <a:rPr lang="en-US" sz="4200" dirty="0"/>
               <a:t>Using GitHub to save our project so that the team can work together</a:t>
             </a:r>
           </a:p>
           <a:p>
             <a:r>
-              <a:rPr lang="en-US" dirty="0" smtClean="0"/>
+              <a:rPr lang="en-US" sz="4200" dirty="0"/>
               <a:t>Using </a:t>
             </a:r>
             <a:r>
-              <a:rPr lang="en-US" dirty="0" err="1" smtClean="0"/>
+              <a:rPr lang="en-US" sz="4200" dirty="0" err="1"/>
               <a:t>GearHost</a:t>
             </a:r>
             <a:r>
-              <a:rPr lang="en-US" dirty="0" smtClean="0"/>
+              <a:rPr lang="en-US" sz="4200" dirty="0"/>
               <a:t> to save our database on the cloud so that the team can </a:t>
             </a:r>
             <a:br>
-              <a:rPr lang="en-US" dirty="0" smtClean="0"/>
+              <a:rPr lang="en-US" sz="4200" dirty="0"/>
             </a:br>
             <a:r>
-              <a:rPr lang="en-US" dirty="0" smtClean="0"/>
+              <a:rPr lang="en-US" sz="4200" dirty="0"/>
               <a:t>have access to the same data</a:t>
             </a:r>
           </a:p>
           <a:p>
             <a:r>
-              <a:rPr lang="en-US" dirty="0" smtClean="0"/>
+              <a:rPr lang="en-US" sz="4200" dirty="0"/>
               <a:t>Using Maven MVC architecture </a:t>
             </a:r>
           </a:p>
           <a:p>
-            <a:r>
-              <a:rPr lang="en-US" dirty="0" smtClean="0"/>
-              <a:t>Using JDBC API</a:t>
-            </a:r>
-          </a:p>
-          <a:p>
-            <a:r>
-              <a:rPr lang="en-US" dirty="0" smtClean="0"/>
-              <a:t>Using Code Conventions like camel-casing, </a:t>
-            </a:r>
-            <a:r>
-              <a:rPr lang="en-US" dirty="0" smtClean="0"/>
-              <a:t>comments</a:t>
-            </a:r>
-          </a:p>
-          <a:p>
-            <a:r>
-              <a:rPr lang="en-US" dirty="0" smtClean="0"/>
-              <a:t>Using MySQL Database</a:t>
-            </a:r>
-            <a:endParaRPr lang="en-US" dirty="0" smtClean="0"/>
-          </a:p>
-          <a:p>
-            <a:endParaRPr lang="en-US" dirty="0" smtClean="0"/>
-          </a:p>
-          <a:p>
-            <a:endParaRPr lang="en-US" dirty="0" smtClean="0"/>
-          </a:p>
-          <a:p>
-            <a:endParaRPr lang="en-US" dirty="0"/>
-          </a:p>
-        </p:txBody>
-      </p:sp>
-      <p:pic>
-        <p:nvPicPr>
-          <p:cNvPr id="5" name="Picture 4"/>
-          <p:cNvPicPr>
-            <a:picLocks noChangeAspect="1"/>
-          </p:cNvPicPr>
-          <p:nvPr/>
-        </p:nvPicPr>
-        <p:blipFill>
-          <a:blip r:embed="rId2">
-            <a:extLst>
-              <a:ext uri="{28A0092B-C50C-407E-A947-70E740481C1C}">
-                <a14:useLocalDpi xmlns:a14="http://schemas.microsoft.com/office/drawing/2010/main" val="0"/>
-              </a:ext>
-            </a:extLst>
-          </a:blip>
-          <a:stretch>
-            <a:fillRect/>
-          </a:stretch>
-        </p:blipFill>
-        <p:spPr>
-          <a:xfrm>
-            <a:off x="4563410" y="4666944"/>
-            <a:ext cx="3962953" cy="2191056"/>
-          </a:xfrm>
-          <a:prstGeom prst="rect">
-            <a:avLst/>
-          </a:prstGeom>
-        </p:spPr>
-      </p:pic>
+            <a:endParaRPr lang="en-US" dirty="0"/>
+          </a:p>
+          <a:p>
+            <a:endParaRPr lang="en-US" dirty="0"/>
+          </a:p>
+          <a:p>
+            <a:endParaRPr lang="en-US" dirty="0"/>
+          </a:p>
+        </p:txBody>
+      </p:sp>
     </p:spTree>
     <p:extLst>
       <p:ext uri="{BB962C8B-B14F-4D97-AF65-F5344CB8AC3E}">
@@ -4116,7 +4064,13 @@
       </p:grpSpPr>
       <p:sp>
         <p:nvSpPr>
-          <p:cNvPr id="2" name="Title 1"/>
+          <p:cNvPr id="2" name="Title 1">
+            <a:extLst>
+              <a:ext uri="{FF2B5EF4-FFF2-40B4-BE49-F238E27FC236}">
+                <a16:creationId xmlns:a16="http://schemas.microsoft.com/office/drawing/2014/main" id="{A0295B16-21C4-45BC-B80D-756B4FCB2A75}"/>
+              </a:ext>
+            </a:extLst>
+          </p:cNvPr>
           <p:cNvSpPr>
             <a:spLocks noGrp="1"/>
           </p:cNvSpPr>
@@ -4129,18 +4083,22 @@
           <a:bodyPr/>
           <a:lstStyle/>
           <a:p>
-            <a:pPr algn="ctr"/>
-            <a:r>
-              <a:rPr lang="en-US" dirty="0" smtClean="0"/>
-              <a:t>Problems and Challenges</a:t>
-            </a:r>
-            <a:endParaRPr lang="en-US" dirty="0"/>
-          </a:p>
-        </p:txBody>
-      </p:sp>
-      <p:sp>
-        <p:nvSpPr>
-          <p:cNvPr id="3" name="Content Placeholder 2"/>
+            <a:r>
+              <a:rPr lang="en-US" dirty="0"/>
+              <a:t>Standards used in our project</a:t>
+            </a:r>
+          </a:p>
+        </p:txBody>
+      </p:sp>
+      <p:sp>
+        <p:nvSpPr>
+          <p:cNvPr id="3" name="Content Placeholder 2">
+            <a:extLst>
+              <a:ext uri="{FF2B5EF4-FFF2-40B4-BE49-F238E27FC236}">
+                <a16:creationId xmlns:a16="http://schemas.microsoft.com/office/drawing/2014/main" id="{B6EEF62B-578F-4B0D-A694-42970C17876F}"/>
+              </a:ext>
+            </a:extLst>
+          </p:cNvPr>
           <p:cNvSpPr>
             <a:spLocks noGrp="1"/>
           </p:cNvSpPr>
@@ -4154,61 +4112,67 @@
           <a:lstStyle/>
           <a:p>
             <a:r>
-              <a:rPr lang="en-US" sz="3600" dirty="0" smtClean="0"/>
-              <a:t>Resolving GitHub Conflicts</a:t>
-            </a:r>
-          </a:p>
-          <a:p>
-            <a:r>
-              <a:rPr lang="en-US" sz="3600" dirty="0" smtClean="0"/>
-              <a:t>Combining different approaches in one </a:t>
-            </a:r>
-            <a:r>
-              <a:rPr lang="en-US" sz="3600" dirty="0" smtClean="0"/>
-              <a:t>project</a:t>
-            </a:r>
-            <a:endParaRPr lang="en-US" sz="3600" dirty="0" smtClean="0"/>
-          </a:p>
-          <a:p>
-            <a:r>
-              <a:rPr lang="en-US" sz="3600" dirty="0" smtClean="0"/>
-              <a:t>Challenges with Eclipse and resolving bugs, errors, like server connection</a:t>
-            </a:r>
-            <a:r>
-              <a:rPr lang="en-US" sz="3600" dirty="0" smtClean="0"/>
-              <a:t>…</a:t>
-            </a:r>
-          </a:p>
-          <a:p>
-            <a:pPr marL="0" indent="0">
-              <a:buNone/>
-            </a:pPr>
-            <a:endParaRPr lang="en-US" dirty="0" smtClean="0"/>
-          </a:p>
-          <a:p>
-            <a:endParaRPr lang="en-US" dirty="0" smtClean="0"/>
-          </a:p>
-          <a:p>
-            <a:endParaRPr lang="en-US" dirty="0" smtClean="0"/>
-          </a:p>
-          <a:p>
-            <a:endParaRPr lang="en-US" dirty="0" smtClean="0"/>
-          </a:p>
-          <a:p>
-            <a:endParaRPr lang="en-US" dirty="0" smtClean="0"/>
-          </a:p>
-          <a:p>
-            <a:pPr marL="0" indent="0">
-              <a:buNone/>
-            </a:pPr>
-            <a:endParaRPr lang="en-US" dirty="0"/>
-          </a:p>
-        </p:txBody>
-      </p:sp>
+              <a:rPr lang="en-US" sz="3600" dirty="0"/>
+              <a:t>Using JDBC API</a:t>
+            </a:r>
+          </a:p>
+          <a:p>
+            <a:r>
+              <a:rPr lang="en-US" sz="3600" dirty="0"/>
+              <a:t>Using Code Conventions: refactoring, indent style, camel-casing, comments</a:t>
+            </a:r>
+          </a:p>
+          <a:p>
+            <a:r>
+              <a:rPr lang="en-US" sz="3600" dirty="0"/>
+              <a:t>Using MySQL Database</a:t>
+            </a:r>
+          </a:p>
+          <a:p>
+            <a:endParaRPr lang="en-US" dirty="0"/>
+          </a:p>
+        </p:txBody>
+      </p:sp>
+      <p:pic>
+        <p:nvPicPr>
+          <p:cNvPr id="4" name="Content Placeholder 4">
+            <a:extLst>
+              <a:ext uri="{FF2B5EF4-FFF2-40B4-BE49-F238E27FC236}">
+                <a16:creationId xmlns:a16="http://schemas.microsoft.com/office/drawing/2014/main" id="{04B7ED91-1BE1-4298-951B-444CB7B74CCC}"/>
+              </a:ext>
+            </a:extLst>
+          </p:cNvPr>
+          <p:cNvPicPr>
+            <a:picLocks noChangeAspect="1"/>
+          </p:cNvPicPr>
+          <p:nvPr/>
+        </p:nvPicPr>
+        <p:blipFill>
+          <a:blip r:embed="rId2">
+            <a:extLst>
+              <a:ext uri="{28A0092B-C50C-407E-A947-70E740481C1C}">
+                <a14:useLocalDpi xmlns:a14="http://schemas.microsoft.com/office/drawing/2010/main" val="0"/>
+              </a:ext>
+            </a:extLst>
+          </a:blip>
+          <a:stretch>
+            <a:fillRect/>
+          </a:stretch>
+        </p:blipFill>
+        <p:spPr>
+          <a:xfrm>
+            <a:off x="6826102" y="4076700"/>
+            <a:ext cx="4146698" cy="2292646"/>
+          </a:xfrm>
+          <a:prstGeom prst="rect">
+            <a:avLst/>
+          </a:prstGeom>
+        </p:spPr>
+      </p:pic>
     </p:spTree>
     <p:extLst>
       <p:ext uri="{BB962C8B-B14F-4D97-AF65-F5344CB8AC3E}">
-        <p14:creationId xmlns:p14="http://schemas.microsoft.com/office/powerpoint/2010/main" val="2787357760"/>
+        <p14:creationId xmlns:p14="http://schemas.microsoft.com/office/powerpoint/2010/main" val="3913438182"/>
       </p:ext>
     </p:extLst>
   </p:cSld>
@@ -4250,11 +4214,11 @@
           <a:bodyPr/>
           <a:lstStyle/>
           <a:p>
-            <a:r>
-              <a:rPr lang="en-US" dirty="0" smtClean="0"/>
-              <a:t>Lessons learned</a:t>
-            </a:r>
-            <a:endParaRPr lang="en-US" dirty="0"/>
+            <a:pPr algn="ctr"/>
+            <a:r>
+              <a:rPr lang="en-US" dirty="0"/>
+              <a:t>Problems and Challenges</a:t>
+            </a:r>
           </a:p>
         </p:txBody>
       </p:sp>
@@ -4274,43 +4238,44 @@
           <a:lstStyle/>
           <a:p>
             <a:r>
-              <a:rPr lang="en-US" dirty="0" smtClean="0"/>
-              <a:t>How to create Maven Project</a:t>
-            </a:r>
-          </a:p>
-          <a:p>
-            <a:r>
-              <a:rPr lang="en-US" dirty="0"/>
-              <a:t>How </a:t>
-            </a:r>
-            <a:r>
-              <a:rPr lang="en-US" dirty="0" smtClean="0"/>
-              <a:t>to implement MVC architecture</a:t>
-            </a:r>
-          </a:p>
-          <a:p>
-            <a:r>
-              <a:rPr lang="en-US" dirty="0"/>
-              <a:t>How to </a:t>
-            </a:r>
-            <a:r>
-              <a:rPr lang="en-US" dirty="0" smtClean="0"/>
-              <a:t>use </a:t>
-            </a:r>
-            <a:r>
-              <a:rPr lang="en-US" dirty="0" smtClean="0"/>
-              <a:t>Sessions</a:t>
-            </a:r>
-          </a:p>
-          <a:p>
-            <a:r>
-              <a:rPr lang="en-US" dirty="0"/>
-              <a:t>How </a:t>
-            </a:r>
-            <a:r>
-              <a:rPr lang="en-US" dirty="0" smtClean="0"/>
-              <a:t>to </a:t>
-            </a:r>
+              <a:rPr lang="en-US" sz="3600" dirty="0"/>
+              <a:t>Resolving GitHub Conflicts</a:t>
+            </a:r>
+          </a:p>
+          <a:p>
+            <a:r>
+              <a:rPr lang="en-US" sz="3600" dirty="0"/>
+              <a:t>Combining different approaches in one project</a:t>
+            </a:r>
+          </a:p>
+          <a:p>
+            <a:r>
+              <a:rPr lang="en-US" sz="3600" dirty="0"/>
+              <a:t>Challenges with Eclipse and resolving bugs, errors, like server connection…</a:t>
+            </a:r>
+          </a:p>
+          <a:p>
+            <a:pPr marL="0" indent="0">
+              <a:buNone/>
+            </a:pPr>
+            <a:endParaRPr lang="en-US" dirty="0"/>
+          </a:p>
+          <a:p>
+            <a:endParaRPr lang="en-US" dirty="0"/>
+          </a:p>
+          <a:p>
+            <a:endParaRPr lang="en-US" dirty="0"/>
+          </a:p>
+          <a:p>
+            <a:endParaRPr lang="en-US" dirty="0"/>
+          </a:p>
+          <a:p>
+            <a:endParaRPr lang="en-US" dirty="0"/>
+          </a:p>
+          <a:p>
+            <a:pPr marL="0" indent="0">
+              <a:buNone/>
+            </a:pPr>
             <a:endParaRPr lang="en-US" dirty="0"/>
           </a:p>
         </p:txBody>
@@ -4318,7 +4283,7 @@
     </p:spTree>
     <p:extLst>
       <p:ext uri="{BB962C8B-B14F-4D97-AF65-F5344CB8AC3E}">
-        <p14:creationId xmlns:p14="http://schemas.microsoft.com/office/powerpoint/2010/main" val="2391782038"/>
+        <p14:creationId xmlns:p14="http://schemas.microsoft.com/office/powerpoint/2010/main" val="2787357760"/>
       </p:ext>
     </p:extLst>
   </p:cSld>
@@ -4360,13 +4325,116 @@
           <a:bodyPr/>
           <a:lstStyle/>
           <a:p>
+            <a:r>
+              <a:rPr lang="en-US" dirty="0"/>
+              <a:t>Lessons learned</a:t>
+            </a:r>
+          </a:p>
+        </p:txBody>
+      </p:sp>
+      <p:sp>
+        <p:nvSpPr>
+          <p:cNvPr id="3" name="Content Placeholder 2"/>
+          <p:cNvSpPr>
+            <a:spLocks noGrp="1"/>
+          </p:cNvSpPr>
+          <p:nvPr>
+            <p:ph idx="1"/>
+          </p:nvPr>
+        </p:nvSpPr>
+        <p:spPr/>
+        <p:txBody>
+          <a:bodyPr>
+            <a:normAutofit/>
+          </a:bodyPr>
+          <a:lstStyle/>
+          <a:p>
+            <a:r>
+              <a:rPr lang="en-US" sz="3600" dirty="0"/>
+              <a:t>How to implement MVC architecture</a:t>
+            </a:r>
+          </a:p>
+          <a:p>
+            <a:r>
+              <a:rPr lang="en-US" sz="3600" dirty="0"/>
+              <a:t>How to implement login/logout</a:t>
+            </a:r>
+          </a:p>
+          <a:p>
+            <a:r>
+              <a:rPr lang="en-US" sz="3600" dirty="0"/>
+              <a:t>How to use Sessions</a:t>
+            </a:r>
+          </a:p>
+          <a:p>
+            <a:r>
+              <a:rPr lang="en-US" sz="3600" dirty="0"/>
+              <a:t>How to implement Search</a:t>
+            </a:r>
+          </a:p>
+          <a:p>
+            <a:endParaRPr lang="en-US" sz="3600" dirty="0"/>
+          </a:p>
+        </p:txBody>
+      </p:sp>
+    </p:spTree>
+    <p:extLst>
+      <p:ext uri="{BB962C8B-B14F-4D97-AF65-F5344CB8AC3E}">
+        <p14:creationId xmlns:p14="http://schemas.microsoft.com/office/powerpoint/2010/main" val="2391782038"/>
+      </p:ext>
+    </p:extLst>
+  </p:cSld>
+  <p:clrMapOvr>
+    <a:masterClrMapping/>
+  </p:clrMapOvr>
+</p:sld>
+</file>
+
+<file path=ppt/slides/slide6.xml><?xml version="1.0" encoding="utf-8"?>
+<p:sld xmlns:a="http://schemas.openxmlformats.org/drawingml/2006/main" xmlns:r="http://schemas.openxmlformats.org/officeDocument/2006/relationships" xmlns:p="http://schemas.openxmlformats.org/presentationml/2006/main">
+  <p:cSld>
+    <p:spTree>
+      <p:nvGrpSpPr>
+        <p:cNvPr id="1" name=""/>
+        <p:cNvGrpSpPr/>
+        <p:nvPr/>
+      </p:nvGrpSpPr>
+      <p:grpSpPr>
+        <a:xfrm>
+          <a:off x="0" y="0"/>
+          <a:ext cx="0" cy="0"/>
+          <a:chOff x="0" y="0"/>
+          <a:chExt cx="0" cy="0"/>
+        </a:xfrm>
+      </p:grpSpPr>
+      <p:sp>
+        <p:nvSpPr>
+          <p:cNvPr id="2" name="Title 1"/>
+          <p:cNvSpPr>
+            <a:spLocks noGrp="1"/>
+          </p:cNvSpPr>
+          <p:nvPr>
+            <p:ph type="title"/>
+          </p:nvPr>
+        </p:nvSpPr>
+        <p:spPr/>
+        <p:txBody>
+          <a:bodyPr/>
+          <a:lstStyle/>
+          <a:p>
             <a:endParaRPr lang="en-US"/>
           </a:p>
         </p:txBody>
       </p:sp>
       <p:sp>
         <p:nvSpPr>
-          <p:cNvPr id="3" name="Content Placeholder 2"/>
+          <p:cNvPr id="6" name="Content Placeholder 5">
+            <a:extLst>
+              <a:ext uri="{FF2B5EF4-FFF2-40B4-BE49-F238E27FC236}">
+                <a16:creationId xmlns:a16="http://schemas.microsoft.com/office/drawing/2014/main" id="{AF4807BA-FA11-4098-A1DD-E251614D85E4}"/>
+              </a:ext>
+            </a:extLst>
+          </p:cNvPr>
           <p:cNvSpPr>
             <a:spLocks noGrp="1"/>
           </p:cNvSpPr>
@@ -4379,7 +4447,7 @@
           <a:bodyPr/>
           <a:lstStyle/>
           <a:p>
-            <a:endParaRPr lang="en-US" dirty="0"/>
+            <a:endParaRPr lang="en-US"/>
           </a:p>
         </p:txBody>
       </p:sp>

--- a/The OfficePPT.pptx
+++ b/The OfficePPT.pptx
@@ -4251,7 +4251,7 @@
           <a:p>
             <a:r>
               <a:rPr lang="en-US" sz="3600" dirty="0"/>
-              <a:t>Challenges with Eclipse and resolving bugs, errors, like server connection…</a:t>
+              <a:t>Challenges with Eclipse and resolving bugs, errors, like server connection</a:t>
             </a:r>
           </a:p>
           <a:p>
@@ -4370,6 +4370,20 @@
             <a:r>
               <a:rPr lang="en-US" sz="3600" dirty="0"/>
               <a:t>How to implement Search</a:t>
+            </a:r>
+          </a:p>
+          <a:p>
+            <a:r>
+              <a:rPr lang="en-US" sz="3600" dirty="0"/>
+              <a:t>How </a:t>
+            </a:r>
+            <a:r>
+              <a:rPr lang="en-US" sz="3600"/>
+              <a:t>to use </a:t>
+            </a:r>
+            <a:r>
+              <a:rPr lang="en-US" sz="3600" dirty="0"/>
+              <a:t>include for consistent layout</a:t>
             </a:r>
           </a:p>
           <a:p>

--- a/The OfficePPT.pptx
+++ b/The OfficePPT.pptx
@@ -115,10 +115,6 @@
     </p:ext>
   </p:extLst>
 </p:presentation>
-</file>
-
-<file path=ppt/revisionInfo.xml><?xml version="1.0" encoding="utf-8"?>
-<p1510:revInfo xmlns:a="http://schemas.openxmlformats.org/drawingml/2006/main" xmlns:r="http://schemas.openxmlformats.org/officeDocument/2006/relationships" xmlns:p1510="http://schemas.microsoft.com/office/powerpoint/2015/10/main"/>
 </file>
 
 <file path=ppt/slideLayouts/slideLayout1.xml><?xml version="1.0" encoding="utf-8"?>
@@ -3967,7 +3963,7 @@
             <a:pPr algn="ctr"/>
             <a:r>
               <a:rPr lang="en-US" dirty="0"/>
-              <a:t>Standards used in our project</a:t>
+              <a:t>Assets used in the project</a:t>
             </a:r>
           </a:p>
         </p:txBody>
@@ -3985,35 +3981,25 @@
         <p:spPr/>
         <p:txBody>
           <a:bodyPr>
-            <a:normAutofit fontScale="92500" lnSpcReduction="10000"/>
+            <a:normAutofit/>
           </a:bodyPr>
           <a:lstStyle/>
           <a:p>
             <a:r>
               <a:rPr lang="en-US" sz="4200" dirty="0"/>
-              <a:t>Using GitHub to save our project so that the team can work together</a:t>
+              <a:t>Use of GitHub for team collaboration</a:t>
             </a:r>
           </a:p>
           <a:p>
             <a:r>
               <a:rPr lang="en-US" sz="4200" dirty="0"/>
-              <a:t>Using </a:t>
+              <a:t>Database cloud-hosted on </a:t>
             </a:r>
             <a:r>
               <a:rPr lang="en-US" sz="4200" dirty="0" err="1"/>
               <a:t>GearHost</a:t>
             </a:r>
-            <a:r>
-              <a:rPr lang="en-US" sz="4200" dirty="0"/>
-              <a:t> to save our database on the cloud so that the team can </a:t>
-            </a:r>
-            <a:br>
-              <a:rPr lang="en-US" sz="4200" dirty="0"/>
-            </a:br>
-            <a:r>
-              <a:rPr lang="en-US" sz="4200" dirty="0"/>
-              <a:t>have access to the same data</a:t>
-            </a:r>
+            <a:endParaRPr lang="en-US" sz="4200" dirty="0"/>
           </a:p>
           <a:p>
             <a:r>
@@ -4083,9 +4069,10 @@
           <a:bodyPr/>
           <a:lstStyle/>
           <a:p>
+            <a:pPr algn="ctr"/>
             <a:r>
               <a:rPr lang="en-US" dirty="0"/>
-              <a:t>Standards used in our project</a:t>
+              <a:t>Assets used in the project (contd.)</a:t>
             </a:r>
           </a:p>
         </p:txBody>
@@ -4113,7 +4100,7 @@
           <a:p>
             <a:r>
               <a:rPr lang="en-US" sz="3600" dirty="0"/>
-              <a:t>Using JDBC API</a:t>
+              <a:t>JDBC API for database connectivity and access</a:t>
             </a:r>
           </a:p>
           <a:p>
@@ -4125,7 +4112,7 @@
           <a:p>
             <a:r>
               <a:rPr lang="en-US" sz="3600" dirty="0"/>
-              <a:t>Using MySQL Database</a:t>
+              <a:t>MySQL Database</a:t>
             </a:r>
           </a:p>
           <a:p>
@@ -4351,40 +4338,37 @@
           <a:p>
             <a:r>
               <a:rPr lang="en-US" sz="3600" dirty="0"/>
-              <a:t>How to implement MVC architecture</a:t>
+              <a:t>Implementing MVC architecture</a:t>
             </a:r>
           </a:p>
           <a:p>
             <a:r>
               <a:rPr lang="en-US" sz="3600" dirty="0"/>
-              <a:t>How to implement login/logout</a:t>
+              <a:t>Login/Logout and user role functionality</a:t>
             </a:r>
           </a:p>
           <a:p>
             <a:r>
               <a:rPr lang="en-US" sz="3600" dirty="0"/>
-              <a:t>How to use Sessions</a:t>
+              <a:t>User sessions</a:t>
             </a:r>
           </a:p>
           <a:p>
             <a:r>
               <a:rPr lang="en-US" sz="3600" dirty="0"/>
-              <a:t>How to implement Search</a:t>
+              <a:t>Implementing a search function</a:t>
             </a:r>
           </a:p>
           <a:p>
             <a:r>
               <a:rPr lang="en-US" sz="3600" dirty="0"/>
-              <a:t>How </a:t>
+              <a:t>Using includes to keep </a:t>
             </a:r>
             <a:r>
               <a:rPr lang="en-US" sz="3600"/>
-              <a:t>to use </a:t>
-            </a:r>
-            <a:r>
-              <a:rPr lang="en-US" sz="3600" dirty="0"/>
-              <a:t>include for consistent layout</a:t>
-            </a:r>
+              <a:t>layout consistent</a:t>
+            </a:r>
+            <a:endParaRPr lang="en-US" sz="3600" dirty="0"/>
           </a:p>
           <a:p>
             <a:endParaRPr lang="en-US" sz="3600" dirty="0"/>

--- a/The OfficePPT.pptx
+++ b/The OfficePPT.pptx
@@ -3842,32 +3842,29 @@
             </a:r>
             <a:r>
               <a:rPr lang="en-US" dirty="0"/>
+              <a:t>, </a:t>
+            </a:r>
+            <a:r>
+              <a:rPr lang="en-US" dirty="0" err="1"/>
+              <a:t>Dmitrii</a:t>
+            </a:r>
+            <a:r>
+              <a:rPr lang="en-US" dirty="0"/>
+              <a:t> </a:t>
+            </a:r>
+            <a:r>
+              <a:rPr lang="en-US" dirty="0" err="1"/>
+              <a:t>Kudrik</a:t>
+            </a:r>
+            <a:r>
+              <a:rPr lang="en-US" dirty="0"/>
               <a:t>, Anita </a:t>
             </a:r>
             <a:r>
               <a:rPr lang="en-US" dirty="0" err="1"/>
               <a:t>Mirshahi</a:t>
             </a:r>
-            <a:r>
-              <a:rPr lang="en-US" dirty="0"/>
-              <a:t>, </a:t>
-            </a:r>
-            <a:r>
-              <a:rPr lang="en-US" dirty="0" err="1"/>
-              <a:t>Dmitrii</a:t>
-            </a:r>
-            <a:r>
-              <a:rPr lang="en-US" dirty="0"/>
-              <a:t> </a:t>
-            </a:r>
-            <a:r>
-              <a:rPr lang="en-US" dirty="0" err="1"/>
-              <a:t>Kudrik</a:t>
-            </a:r>
-            <a:r>
-              <a:rPr lang="en-US" dirty="0"/>
-              <a:t>, </a:t>
-            </a:r>
+            <a:endParaRPr lang="en-US" dirty="0"/>
           </a:p>
           <a:p>
             <a:r>
@@ -3962,7 +3959,7 @@
           <a:p>
             <a:pPr algn="ctr"/>
             <a:r>
-              <a:rPr lang="en-US" dirty="0"/>
+              <a:rPr lang="en-US" b="1" u="sng" dirty="0"/>
               <a:t>Assets used in the project</a:t>
             </a:r>
           </a:p>
@@ -3978,10 +3975,15 @@
             <p:ph idx="1"/>
           </p:nvPr>
         </p:nvSpPr>
-        <p:spPr/>
+        <p:spPr>
+          <a:xfrm>
+            <a:off x="1371600" y="1468878"/>
+            <a:ext cx="9601200" cy="2665378"/>
+          </a:xfrm>
+        </p:spPr>
         <p:txBody>
           <a:bodyPr>
-            <a:normAutofit/>
+            <a:normAutofit lnSpcReduction="10000"/>
           </a:bodyPr>
           <a:lstStyle/>
           <a:p>
@@ -3993,7 +3995,14 @@
           <a:p>
             <a:r>
               <a:rPr lang="en-US" sz="4200" dirty="0"/>
-              <a:t>Database cloud-hosted on </a:t>
+              <a:t>Database cloud-hosted </a:t>
+            </a:r>
+            <a:br>
+              <a:rPr lang="en-US" sz="4200" dirty="0"/>
+            </a:br>
+            <a:r>
+              <a:rPr lang="en-US" sz="4200" dirty="0"/>
+              <a:t>on </a:t>
             </a:r>
             <a:r>
               <a:rPr lang="en-US" sz="4200" dirty="0" err="1"/>
@@ -4018,6 +4027,36 @@
           </a:p>
         </p:txBody>
       </p:sp>
+      <p:pic>
+        <p:nvPicPr>
+          <p:cNvPr id="5" name="Picture 4">
+            <a:extLst>
+              <a:ext uri="{FF2B5EF4-FFF2-40B4-BE49-F238E27FC236}">
+                <a16:creationId xmlns:a16="http://schemas.microsoft.com/office/drawing/2014/main" id="{EDF6906C-E201-41B7-9875-08FC44CB263A}"/>
+              </a:ext>
+            </a:extLst>
+          </p:cNvPr>
+          <p:cNvPicPr>
+            <a:picLocks noChangeAspect="1"/>
+          </p:cNvPicPr>
+          <p:nvPr/>
+        </p:nvPicPr>
+        <p:blipFill>
+          <a:blip r:embed="rId2"/>
+          <a:stretch>
+            <a:fillRect/>
+          </a:stretch>
+        </p:blipFill>
+        <p:spPr>
+          <a:xfrm>
+            <a:off x="8794568" y="2286000"/>
+            <a:ext cx="2949196" cy="4320914"/>
+          </a:xfrm>
+          <a:prstGeom prst="rect">
+            <a:avLst/>
+          </a:prstGeom>
+        </p:spPr>
+      </p:pic>
     </p:spTree>
     <p:extLst>
       <p:ext uri="{BB962C8B-B14F-4D97-AF65-F5344CB8AC3E}">
@@ -4071,7 +4110,7 @@
           <a:p>
             <a:pPr algn="ctr"/>
             <a:r>
-              <a:rPr lang="en-US" dirty="0"/>
+              <a:rPr lang="en-US" b="1" u="sng" dirty="0"/>
               <a:t>Assets used in the project (contd.)</a:t>
             </a:r>
           </a:p>
@@ -4203,7 +4242,7 @@
           <a:p>
             <a:pPr algn="ctr"/>
             <a:r>
-              <a:rPr lang="en-US" dirty="0"/>
+              <a:rPr lang="en-US" b="1" u="sng" dirty="0"/>
               <a:t>Problems and Challenges</a:t>
             </a:r>
           </a:p>
@@ -4312,8 +4351,9 @@
           <a:bodyPr/>
           <a:lstStyle/>
           <a:p>
-            <a:r>
-              <a:rPr lang="en-US" dirty="0"/>
+            <a:pPr algn="ctr"/>
+            <a:r>
+              <a:rPr lang="en-US" b="1" u="sng" dirty="0"/>
               <a:t>Lessons learned</a:t>
             </a:r>
           </a:p>
@@ -4362,13 +4402,8 @@
           <a:p>
             <a:r>
               <a:rPr lang="en-US" sz="3600" dirty="0"/>
-              <a:t>Using includes to keep </a:t>
-            </a:r>
-            <a:r>
-              <a:rPr lang="en-US" sz="3600"/>
-              <a:t>layout consistent</a:t>
-            </a:r>
-            <a:endParaRPr lang="en-US" sz="3600" dirty="0"/>
+              <a:t>Using includes to keep layout consistent</a:t>
+            </a:r>
           </a:p>
           <a:p>
             <a:endParaRPr lang="en-US" sz="3600" dirty="0"/>

--- a/The OfficePPT.pptx
+++ b/The OfficePPT.pptx
@@ -11,6 +11,8 @@
     <p:sldId id="258" r:id="rId5"/>
     <p:sldId id="259" r:id="rId6"/>
     <p:sldId id="260" r:id="rId7"/>
+    <p:sldId id="263" r:id="rId8"/>
+    <p:sldId id="264" r:id="rId9"/>
   </p:sldIdLst>
   <p:sldSz cx="12192000" cy="6858000"/>
   <p:notesSz cx="6858000" cy="9144000"/>
@@ -3819,8 +3821,12 @@
           <a:lstStyle/>
           <a:p>
             <a:r>
+              <a:rPr lang="en-US" b="1" dirty="0"/>
+              <a:t>Team leader: </a:t>
+            </a:r>
+            <a:r>
               <a:rPr lang="en-US" dirty="0"/>
-              <a:t>Team leader: Roberto Di </a:t>
+              <a:t>Roberto Di </a:t>
             </a:r>
             <a:r>
               <a:rPr lang="en-US" dirty="0" err="1"/>
@@ -4455,7 +4461,12 @@
           <a:bodyPr/>
           <a:lstStyle/>
           <a:p>
-            <a:endParaRPr lang="en-US"/>
+            <a:pPr algn="ctr"/>
+            <a:r>
+              <a:rPr lang="en-US" b="1" u="sng" dirty="0"/>
+              <a:t>CRUD operations</a:t>
+            </a:r>
+            <a:endParaRPr lang="en-US" dirty="0"/>
           </a:p>
         </p:txBody>
       </p:sp>
@@ -4480,7 +4491,48 @@
           <a:bodyPr/>
           <a:lstStyle/>
           <a:p>
-            <a:endParaRPr lang="en-US"/>
+            <a:r>
+              <a:rPr lang="en-US" sz="3600" dirty="0"/>
+              <a:t>Create</a:t>
+            </a:r>
+            <a:r>
+              <a:rPr lang="en-US" dirty="0"/>
+              <a:t> </a:t>
+            </a:r>
+            <a:r>
+              <a:rPr lang="en-US" sz="3600" dirty="0"/>
+              <a:t>database &amp; tables</a:t>
+            </a:r>
+          </a:p>
+          <a:p>
+            <a:r>
+              <a:rPr lang="en-US" sz="3600" dirty="0"/>
+              <a:t>Add MySQL Connector dependency in pom.xml </a:t>
+            </a:r>
+          </a:p>
+          <a:p>
+            <a:r>
+              <a:rPr lang="en-US" sz="3600" dirty="0"/>
+              <a:t>Create Model and DAO classes</a:t>
+            </a:r>
+          </a:p>
+          <a:p>
+            <a:r>
+              <a:rPr lang="en-US" sz="3600" dirty="0"/>
+              <a:t>Create Servlet classes &amp; JSP files</a:t>
+            </a:r>
+          </a:p>
+          <a:p>
+            <a:r>
+              <a:rPr lang="en-US" sz="3600" dirty="0"/>
+              <a:t>Implement web.xml file</a:t>
+            </a:r>
+          </a:p>
+          <a:p>
+            <a:endParaRPr lang="en-US" sz="3600" dirty="0"/>
+          </a:p>
+          <a:p>
+            <a:endParaRPr lang="en-US" dirty="0"/>
           </a:p>
         </p:txBody>
       </p:sp>
@@ -4488,6 +4540,588 @@
     <p:extLst>
       <p:ext uri="{BB962C8B-B14F-4D97-AF65-F5344CB8AC3E}">
         <p14:creationId xmlns:p14="http://schemas.microsoft.com/office/powerpoint/2010/main" val="2110288584"/>
+      </p:ext>
+    </p:extLst>
+  </p:cSld>
+  <p:clrMapOvr>
+    <a:masterClrMapping/>
+  </p:clrMapOvr>
+</p:sld>
+</file>
+
+<file path=ppt/slides/slide7.xml><?xml version="1.0" encoding="utf-8"?>
+<p:sld xmlns:a="http://schemas.openxmlformats.org/drawingml/2006/main" xmlns:r="http://schemas.openxmlformats.org/officeDocument/2006/relationships" xmlns:p="http://schemas.openxmlformats.org/presentationml/2006/main">
+  <p:cSld>
+    <p:spTree>
+      <p:nvGrpSpPr>
+        <p:cNvPr id="1" name=""/>
+        <p:cNvGrpSpPr/>
+        <p:nvPr/>
+      </p:nvGrpSpPr>
+      <p:grpSpPr>
+        <a:xfrm>
+          <a:off x="0" y="0"/>
+          <a:ext cx="0" cy="0"/>
+          <a:chOff x="0" y="0"/>
+          <a:chExt cx="0" cy="0"/>
+        </a:xfrm>
+      </p:grpSpPr>
+      <p:sp>
+        <p:nvSpPr>
+          <p:cNvPr id="2" name="Title 1"/>
+          <p:cNvSpPr>
+            <a:spLocks noGrp="1"/>
+          </p:cNvSpPr>
+          <p:nvPr>
+            <p:ph type="title"/>
+          </p:nvPr>
+        </p:nvSpPr>
+        <p:spPr/>
+        <p:txBody>
+          <a:bodyPr/>
+          <a:lstStyle/>
+          <a:p>
+            <a:pPr algn="ctr"/>
+            <a:r>
+              <a:rPr lang="en-US" b="1" u="sng" dirty="0"/>
+              <a:t>Book Search</a:t>
+            </a:r>
+            <a:endParaRPr lang="en-US" dirty="0"/>
+          </a:p>
+        </p:txBody>
+      </p:sp>
+      <p:sp>
+        <p:nvSpPr>
+          <p:cNvPr id="6" name="Content Placeholder 5">
+            <a:extLst>
+              <a:ext uri="{FF2B5EF4-FFF2-40B4-BE49-F238E27FC236}">
+                <a16:creationId xmlns:a16="http://schemas.microsoft.com/office/drawing/2014/main" id="{AF4807BA-FA11-4098-A1DD-E251614D85E4}"/>
+              </a:ext>
+            </a:extLst>
+          </p:cNvPr>
+          <p:cNvSpPr>
+            <a:spLocks noGrp="1"/>
+          </p:cNvSpPr>
+          <p:nvPr>
+            <p:ph sz="half" idx="1"/>
+          </p:nvPr>
+        </p:nvSpPr>
+        <p:spPr/>
+        <p:txBody>
+          <a:bodyPr/>
+          <a:lstStyle/>
+          <a:p>
+            <a:pPr marL="0" indent="0">
+              <a:buNone/>
+            </a:pPr>
+            <a:endParaRPr lang="en-US" sz="3600" dirty="0"/>
+          </a:p>
+          <a:p>
+            <a:endParaRPr lang="en-US" dirty="0"/>
+          </a:p>
+        </p:txBody>
+      </p:sp>
+      <p:sp>
+        <p:nvSpPr>
+          <p:cNvPr id="8" name="Content Placeholder 7">
+            <a:extLst>
+              <a:ext uri="{FF2B5EF4-FFF2-40B4-BE49-F238E27FC236}">
+                <a16:creationId xmlns:a16="http://schemas.microsoft.com/office/drawing/2014/main" id="{E9B5E627-B8BC-4F22-BE7B-F7798F855F34}"/>
+              </a:ext>
+            </a:extLst>
+          </p:cNvPr>
+          <p:cNvSpPr>
+            <a:spLocks noGrp="1"/>
+          </p:cNvSpPr>
+          <p:nvPr>
+            <p:ph sz="half" idx="2"/>
+          </p:nvPr>
+        </p:nvSpPr>
+        <p:spPr>
+          <a:xfrm>
+            <a:off x="8552994" y="6069490"/>
+            <a:ext cx="1995742" cy="450574"/>
+          </a:xfrm>
+        </p:spPr>
+        <p:style>
+          <a:lnRef idx="2">
+            <a:schemeClr val="accent1"/>
+          </a:lnRef>
+          <a:fillRef idx="1">
+            <a:schemeClr val="lt1"/>
+          </a:fillRef>
+          <a:effectRef idx="0">
+            <a:schemeClr val="accent1"/>
+          </a:effectRef>
+          <a:fontRef idx="minor">
+            <a:schemeClr val="dk1"/>
+          </a:fontRef>
+        </p:style>
+        <p:txBody>
+          <a:bodyPr/>
+          <a:lstStyle/>
+          <a:p>
+            <a:pPr marL="0" indent="0" algn="ctr">
+              <a:buNone/>
+            </a:pPr>
+            <a:r>
+              <a:rPr lang="en-CA" b="1" dirty="0" err="1"/>
+              <a:t>employee.jsp</a:t>
+            </a:r>
+            <a:endParaRPr lang="en-CA" b="1" dirty="0"/>
+          </a:p>
+        </p:txBody>
+      </p:sp>
+      <p:pic>
+        <p:nvPicPr>
+          <p:cNvPr id="7" name="Picture 6">
+            <a:extLst>
+              <a:ext uri="{FF2B5EF4-FFF2-40B4-BE49-F238E27FC236}">
+                <a16:creationId xmlns:a16="http://schemas.microsoft.com/office/drawing/2014/main" id="{CF7FD561-F0D1-410C-95A6-65EDDF9D73FD}"/>
+              </a:ext>
+            </a:extLst>
+          </p:cNvPr>
+          <p:cNvPicPr>
+            <a:picLocks noChangeAspect="1"/>
+          </p:cNvPicPr>
+          <p:nvPr/>
+        </p:nvPicPr>
+        <p:blipFill>
+          <a:blip r:embed="rId2"/>
+          <a:stretch>
+            <a:fillRect/>
+          </a:stretch>
+        </p:blipFill>
+        <p:spPr>
+          <a:xfrm>
+            <a:off x="6777863" y="2297599"/>
+            <a:ext cx="5141843" cy="3581401"/>
+          </a:xfrm>
+          <a:prstGeom prst="rect">
+            <a:avLst/>
+          </a:prstGeom>
+          <a:solidFill>
+            <a:srgbClr val="FFFFFF">
+              <a:shade val="85000"/>
+            </a:srgbClr>
+          </a:solidFill>
+          <a:ln w="88900" cap="sq">
+            <a:solidFill>
+              <a:srgbClr val="FFFFFF"/>
+            </a:solidFill>
+            <a:miter lim="800000"/>
+          </a:ln>
+          <a:effectLst>
+            <a:outerShdw blurRad="55000" dist="18000" dir="5400000" algn="tl" rotWithShape="0">
+              <a:srgbClr val="000000">
+                <a:alpha val="40000"/>
+              </a:srgbClr>
+            </a:outerShdw>
+          </a:effectLst>
+          <a:scene3d>
+            <a:camera prst="orthographicFront"/>
+            <a:lightRig rig="twoPt" dir="t">
+              <a:rot lat="0" lon="0" rev="7200000"/>
+            </a:lightRig>
+          </a:scene3d>
+          <a:sp3d>
+            <a:bevelT w="25400" h="19050"/>
+            <a:contourClr>
+              <a:srgbClr val="FFFFFF"/>
+            </a:contourClr>
+          </a:sp3d>
+        </p:spPr>
+      </p:pic>
+      <p:sp>
+        <p:nvSpPr>
+          <p:cNvPr id="11" name="Content Placeholder 7">
+            <a:extLst>
+              <a:ext uri="{FF2B5EF4-FFF2-40B4-BE49-F238E27FC236}">
+                <a16:creationId xmlns:a16="http://schemas.microsoft.com/office/drawing/2014/main" id="{A22F3C4E-4A0E-47E7-984D-7A62830910FE}"/>
+              </a:ext>
+            </a:extLst>
+          </p:cNvPr>
+          <p:cNvSpPr txBox="1">
+            <a:spLocks/>
+          </p:cNvSpPr>
+          <p:nvPr/>
+        </p:nvSpPr>
+        <p:spPr>
+          <a:xfrm>
+            <a:off x="2649140" y="6076116"/>
+            <a:ext cx="2346930" cy="450574"/>
+          </a:xfrm>
+          <a:prstGeom prst="rect">
+            <a:avLst/>
+          </a:prstGeom>
+        </p:spPr>
+        <p:style>
+          <a:lnRef idx="2">
+            <a:schemeClr val="accent1"/>
+          </a:lnRef>
+          <a:fillRef idx="1">
+            <a:schemeClr val="lt1"/>
+          </a:fillRef>
+          <a:effectRef idx="0">
+            <a:schemeClr val="accent1"/>
+          </a:effectRef>
+          <a:fontRef idx="minor">
+            <a:schemeClr val="dk1"/>
+          </a:fontRef>
+        </p:style>
+        <p:txBody>
+          <a:bodyPr vert="horz" lIns="91440" tIns="45720" rIns="91440" bIns="45720" rtlCol="0">
+            <a:normAutofit/>
+          </a:bodyPr>
+          <a:lstStyle>
+            <a:lvl1pPr marL="384048" indent="-384048" algn="l" defTabSz="914400" rtl="0" eaLnBrk="1" latinLnBrk="0" hangingPunct="1">
+              <a:lnSpc>
+                <a:spcPct val="94000"/>
+              </a:lnSpc>
+              <a:spcBef>
+                <a:spcPts val="1000"/>
+              </a:spcBef>
+              <a:spcAft>
+                <a:spcPts val="200"/>
+              </a:spcAft>
+              <a:buFont typeface="Franklin Gothic Book" panose="020B0503020102020204" pitchFamily="34" charset="0"/>
+              <a:buChar char="■"/>
+              <a:defRPr sz="2000" kern="1200" baseline="0">
+                <a:solidFill>
+                  <a:schemeClr val="tx2"/>
+                </a:solidFill>
+                <a:latin typeface="+mn-lt"/>
+                <a:ea typeface="+mn-ea"/>
+                <a:cs typeface="+mn-cs"/>
+              </a:defRPr>
+            </a:lvl1pPr>
+            <a:lvl2pPr marL="914400" indent="-384048" algn="l" defTabSz="914400" rtl="0" eaLnBrk="1" latinLnBrk="0" hangingPunct="1">
+              <a:lnSpc>
+                <a:spcPct val="94000"/>
+              </a:lnSpc>
+              <a:spcBef>
+                <a:spcPts val="500"/>
+              </a:spcBef>
+              <a:spcAft>
+                <a:spcPts val="200"/>
+              </a:spcAft>
+              <a:buFont typeface="Franklin Gothic Book" panose="020B0503020102020204" pitchFamily="34" charset="0"/>
+              <a:buChar char="–"/>
+              <a:defRPr sz="2000" i="1" kern="1200" baseline="0">
+                <a:solidFill>
+                  <a:schemeClr val="tx2"/>
+                </a:solidFill>
+                <a:latin typeface="+mn-lt"/>
+                <a:ea typeface="+mn-ea"/>
+                <a:cs typeface="+mn-cs"/>
+              </a:defRPr>
+            </a:lvl2pPr>
+            <a:lvl3pPr marL="1371600" indent="-384048" algn="l" defTabSz="914400" rtl="0" eaLnBrk="1" latinLnBrk="0" hangingPunct="1">
+              <a:lnSpc>
+                <a:spcPct val="94000"/>
+              </a:lnSpc>
+              <a:spcBef>
+                <a:spcPts val="500"/>
+              </a:spcBef>
+              <a:spcAft>
+                <a:spcPts val="200"/>
+              </a:spcAft>
+              <a:buFont typeface="Franklin Gothic Book" panose="020B0503020102020204" pitchFamily="34" charset="0"/>
+              <a:buChar char="■"/>
+              <a:defRPr sz="1800" kern="1200" baseline="0">
+                <a:solidFill>
+                  <a:schemeClr val="tx2"/>
+                </a:solidFill>
+                <a:latin typeface="+mn-lt"/>
+                <a:ea typeface="+mn-ea"/>
+                <a:cs typeface="+mn-cs"/>
+              </a:defRPr>
+            </a:lvl3pPr>
+            <a:lvl4pPr marL="1828800" indent="-384048" algn="l" defTabSz="914400" rtl="0" eaLnBrk="1" latinLnBrk="0" hangingPunct="1">
+              <a:lnSpc>
+                <a:spcPct val="94000"/>
+              </a:lnSpc>
+              <a:spcBef>
+                <a:spcPts val="500"/>
+              </a:spcBef>
+              <a:spcAft>
+                <a:spcPts val="200"/>
+              </a:spcAft>
+              <a:buFont typeface="Franklin Gothic Book" panose="020B0503020102020204" pitchFamily="34" charset="0"/>
+              <a:buChar char="–"/>
+              <a:defRPr sz="1800" i="1" kern="1200" baseline="0">
+                <a:solidFill>
+                  <a:schemeClr val="tx2"/>
+                </a:solidFill>
+                <a:latin typeface="+mn-lt"/>
+                <a:ea typeface="+mn-ea"/>
+                <a:cs typeface="+mn-cs"/>
+              </a:defRPr>
+            </a:lvl4pPr>
+            <a:lvl5pPr marL="2286000" indent="-384048" algn="l" defTabSz="914400" rtl="0" eaLnBrk="1" latinLnBrk="0" hangingPunct="1">
+              <a:lnSpc>
+                <a:spcPct val="94000"/>
+              </a:lnSpc>
+              <a:spcBef>
+                <a:spcPts val="500"/>
+              </a:spcBef>
+              <a:spcAft>
+                <a:spcPts val="200"/>
+              </a:spcAft>
+              <a:buFont typeface="Franklin Gothic Book" panose="020B0503020102020204" pitchFamily="34" charset="0"/>
+              <a:buChar char="■"/>
+              <a:defRPr sz="1600" kern="1200" baseline="0">
+                <a:solidFill>
+                  <a:schemeClr val="tx2"/>
+                </a:solidFill>
+                <a:latin typeface="+mn-lt"/>
+                <a:ea typeface="+mn-ea"/>
+                <a:cs typeface="+mn-cs"/>
+              </a:defRPr>
+            </a:lvl5pPr>
+            <a:lvl6pPr marL="2743200" indent="-384048" algn="l" defTabSz="914400" rtl="0" eaLnBrk="1" latinLnBrk="0" hangingPunct="1">
+              <a:lnSpc>
+                <a:spcPct val="94000"/>
+              </a:lnSpc>
+              <a:spcBef>
+                <a:spcPts val="500"/>
+              </a:spcBef>
+              <a:spcAft>
+                <a:spcPts val="200"/>
+              </a:spcAft>
+              <a:buFont typeface="Franklin Gothic Book" panose="020B0503020102020204" pitchFamily="34" charset="0"/>
+              <a:buChar char="–"/>
+              <a:defRPr sz="1600" i="1" kern="1200" baseline="0">
+                <a:solidFill>
+                  <a:schemeClr val="tx2"/>
+                </a:solidFill>
+                <a:latin typeface="+mn-lt"/>
+                <a:ea typeface="+mn-ea"/>
+                <a:cs typeface="+mn-cs"/>
+              </a:defRPr>
+            </a:lvl6pPr>
+            <a:lvl7pPr marL="3200400" indent="-384048" algn="l" defTabSz="914400" rtl="0" eaLnBrk="1" latinLnBrk="0" hangingPunct="1">
+              <a:lnSpc>
+                <a:spcPct val="94000"/>
+              </a:lnSpc>
+              <a:spcBef>
+                <a:spcPts val="500"/>
+              </a:spcBef>
+              <a:spcAft>
+                <a:spcPts val="200"/>
+              </a:spcAft>
+              <a:buFont typeface="Franklin Gothic Book" panose="020B0503020102020204" pitchFamily="34" charset="0"/>
+              <a:buChar char="■"/>
+              <a:defRPr sz="1400" kern="1200" baseline="0">
+                <a:solidFill>
+                  <a:schemeClr val="tx2"/>
+                </a:solidFill>
+                <a:latin typeface="+mn-lt"/>
+                <a:ea typeface="+mn-ea"/>
+                <a:cs typeface="+mn-cs"/>
+              </a:defRPr>
+            </a:lvl7pPr>
+            <a:lvl8pPr marL="3657600" indent="-384048" algn="l" defTabSz="914400" rtl="0" eaLnBrk="1" latinLnBrk="0" hangingPunct="1">
+              <a:lnSpc>
+                <a:spcPct val="94000"/>
+              </a:lnSpc>
+              <a:spcBef>
+                <a:spcPts val="500"/>
+              </a:spcBef>
+              <a:spcAft>
+                <a:spcPts val="200"/>
+              </a:spcAft>
+              <a:buFont typeface="Franklin Gothic Book" panose="020B0503020102020204" pitchFamily="34" charset="0"/>
+              <a:buChar char="–"/>
+              <a:defRPr sz="1400" i="1" kern="1200" baseline="0">
+                <a:solidFill>
+                  <a:schemeClr val="tx2"/>
+                </a:solidFill>
+                <a:latin typeface="+mn-lt"/>
+                <a:ea typeface="+mn-ea"/>
+                <a:cs typeface="+mn-cs"/>
+              </a:defRPr>
+            </a:lvl8pPr>
+            <a:lvl9pPr marL="4114800" indent="-384048" algn="l" defTabSz="914400" rtl="0" eaLnBrk="1" latinLnBrk="0" hangingPunct="1">
+              <a:lnSpc>
+                <a:spcPct val="94000"/>
+              </a:lnSpc>
+              <a:spcBef>
+                <a:spcPts val="500"/>
+              </a:spcBef>
+              <a:spcAft>
+                <a:spcPts val="200"/>
+              </a:spcAft>
+              <a:buFont typeface="Franklin Gothic Book" panose="020B0503020102020204" pitchFamily="34" charset="0"/>
+              <a:buChar char="■"/>
+              <a:defRPr sz="1400" kern="1200" baseline="0">
+                <a:solidFill>
+                  <a:schemeClr val="tx2"/>
+                </a:solidFill>
+                <a:latin typeface="+mn-lt"/>
+                <a:ea typeface="+mn-ea"/>
+                <a:cs typeface="+mn-cs"/>
+              </a:defRPr>
+            </a:lvl9pPr>
+          </a:lstStyle>
+          <a:p>
+            <a:pPr marL="0" indent="0" algn="ctr">
+              <a:buFont typeface="Franklin Gothic Book" panose="020B0503020102020204" pitchFamily="34" charset="0"/>
+              <a:buNone/>
+            </a:pPr>
+            <a:r>
+              <a:rPr lang="en-CA" b="1" dirty="0"/>
+              <a:t>BookController.java</a:t>
+            </a:r>
+          </a:p>
+        </p:txBody>
+      </p:sp>
+      <p:pic>
+        <p:nvPicPr>
+          <p:cNvPr id="14" name="Picture 13">
+            <a:extLst>
+              <a:ext uri="{FF2B5EF4-FFF2-40B4-BE49-F238E27FC236}">
+                <a16:creationId xmlns:a16="http://schemas.microsoft.com/office/drawing/2014/main" id="{C3040C00-66C0-4906-B54A-7B56D18FBDC1}"/>
+              </a:ext>
+            </a:extLst>
+          </p:cNvPr>
+          <p:cNvPicPr>
+            <a:picLocks noChangeAspect="1"/>
+          </p:cNvPicPr>
+          <p:nvPr/>
+        </p:nvPicPr>
+        <p:blipFill>
+          <a:blip r:embed="rId3"/>
+          <a:stretch>
+            <a:fillRect/>
+          </a:stretch>
+        </p:blipFill>
+        <p:spPr>
+          <a:xfrm>
+            <a:off x="1071554" y="1714500"/>
+            <a:ext cx="5448300" cy="4219584"/>
+          </a:xfrm>
+          <a:prstGeom prst="rect">
+            <a:avLst/>
+          </a:prstGeom>
+          <a:solidFill>
+            <a:srgbClr val="FFFFFF">
+              <a:shade val="85000"/>
+            </a:srgbClr>
+          </a:solidFill>
+          <a:ln w="88900" cap="sq">
+            <a:solidFill>
+              <a:srgbClr val="FFFFFF"/>
+            </a:solidFill>
+            <a:miter lim="800000"/>
+          </a:ln>
+          <a:effectLst>
+            <a:outerShdw blurRad="55000" dist="18000" dir="5400000" algn="tl" rotWithShape="0">
+              <a:srgbClr val="000000">
+                <a:alpha val="40000"/>
+              </a:srgbClr>
+            </a:outerShdw>
+          </a:effectLst>
+          <a:scene3d>
+            <a:camera prst="orthographicFront"/>
+            <a:lightRig rig="twoPt" dir="t">
+              <a:rot lat="0" lon="0" rev="7200000"/>
+            </a:lightRig>
+          </a:scene3d>
+          <a:sp3d>
+            <a:bevelT w="25400" h="19050"/>
+            <a:contourClr>
+              <a:srgbClr val="FFFFFF"/>
+            </a:contourClr>
+          </a:sp3d>
+        </p:spPr>
+      </p:pic>
+    </p:spTree>
+    <p:extLst>
+      <p:ext uri="{BB962C8B-B14F-4D97-AF65-F5344CB8AC3E}">
+        <p14:creationId xmlns:p14="http://schemas.microsoft.com/office/powerpoint/2010/main" val="2352663484"/>
+      </p:ext>
+    </p:extLst>
+  </p:cSld>
+  <p:clrMapOvr>
+    <a:masterClrMapping/>
+  </p:clrMapOvr>
+</p:sld>
+</file>
+
+<file path=ppt/slides/slide8.xml><?xml version="1.0" encoding="utf-8"?>
+<p:sld xmlns:a="http://schemas.openxmlformats.org/drawingml/2006/main" xmlns:r="http://schemas.openxmlformats.org/officeDocument/2006/relationships" xmlns:p="http://schemas.openxmlformats.org/presentationml/2006/main">
+  <p:cSld>
+    <p:spTree>
+      <p:nvGrpSpPr>
+        <p:cNvPr id="1" name=""/>
+        <p:cNvGrpSpPr/>
+        <p:nvPr/>
+      </p:nvGrpSpPr>
+      <p:grpSpPr>
+        <a:xfrm>
+          <a:off x="0" y="0"/>
+          <a:ext cx="0" cy="0"/>
+          <a:chOff x="0" y="0"/>
+          <a:chExt cx="0" cy="0"/>
+        </a:xfrm>
+      </p:grpSpPr>
+      <p:sp>
+        <p:nvSpPr>
+          <p:cNvPr id="2" name="Title 1"/>
+          <p:cNvSpPr>
+            <a:spLocks noGrp="1"/>
+          </p:cNvSpPr>
+          <p:nvPr>
+            <p:ph type="title"/>
+          </p:nvPr>
+        </p:nvSpPr>
+        <p:spPr/>
+        <p:txBody>
+          <a:bodyPr/>
+          <a:lstStyle/>
+          <a:p>
+            <a:pPr algn="ctr"/>
+            <a:r>
+              <a:rPr lang="en-US" b="1" u="sng" dirty="0"/>
+              <a:t>Summary</a:t>
+            </a:r>
+            <a:endParaRPr lang="en-US" dirty="0"/>
+          </a:p>
+        </p:txBody>
+      </p:sp>
+      <p:sp>
+        <p:nvSpPr>
+          <p:cNvPr id="6" name="Content Placeholder 5">
+            <a:extLst>
+              <a:ext uri="{FF2B5EF4-FFF2-40B4-BE49-F238E27FC236}">
+                <a16:creationId xmlns:a16="http://schemas.microsoft.com/office/drawing/2014/main" id="{AF4807BA-FA11-4098-A1DD-E251614D85E4}"/>
+              </a:ext>
+            </a:extLst>
+          </p:cNvPr>
+          <p:cNvSpPr>
+            <a:spLocks noGrp="1"/>
+          </p:cNvSpPr>
+          <p:nvPr>
+            <p:ph idx="1"/>
+          </p:nvPr>
+        </p:nvSpPr>
+        <p:spPr/>
+        <p:txBody>
+          <a:bodyPr/>
+          <a:lstStyle/>
+          <a:p>
+            <a:endParaRPr lang="en-US" sz="3600" dirty="0"/>
+          </a:p>
+          <a:p>
+            <a:endParaRPr lang="en-US" dirty="0"/>
+          </a:p>
+        </p:txBody>
+      </p:sp>
+    </p:spTree>
+    <p:extLst>
+      <p:ext uri="{BB962C8B-B14F-4D97-AF65-F5344CB8AC3E}">
+        <p14:creationId xmlns:p14="http://schemas.microsoft.com/office/powerpoint/2010/main" val="3973495753"/>
       </p:ext>
     </p:extLst>
   </p:cSld>

--- a/The OfficePPT.pptx
+++ b/The OfficePPT.pptx
@@ -289,7 +289,7 @@
             <a:fld id="{87DE6118-2437-4B30-8E3C-4D2BE6020583}" type="datetimeFigureOut">
               <a:rPr lang="en-US" dirty="0"/>
               <a:pPr/>
-              <a:t>7/9/2018</a:t>
+              <a:t>7/10/18</a:t>
             </a:fld>
             <a:endParaRPr lang="en-US" dirty="0"/>
           </a:p>
@@ -615,7 +615,7 @@
           <a:p>
             <a:fld id="{87DE6118-2437-4B30-8E3C-4D2BE6020583}" type="datetimeFigureOut">
               <a:rPr lang="en-US" dirty="0"/>
-              <a:t>7/9/2018</a:t>
+              <a:t>7/10/18</a:t>
             </a:fld>
             <a:endParaRPr lang="en-US" dirty="0"/>
           </a:p>
@@ -790,7 +790,7 @@
           <a:p>
             <a:fld id="{87DE6118-2437-4B30-8E3C-4D2BE6020583}" type="datetimeFigureOut">
               <a:rPr lang="en-US" dirty="0"/>
-              <a:t>7/9/2018</a:t>
+              <a:t>7/10/18</a:t>
             </a:fld>
             <a:endParaRPr lang="en-US" dirty="0"/>
           </a:p>
@@ -955,7 +955,7 @@
           <a:p>
             <a:fld id="{87DE6118-2437-4B30-8E3C-4D2BE6020583}" type="datetimeFigureOut">
               <a:rPr lang="en-US" dirty="0"/>
-              <a:t>7/9/2018</a:t>
+              <a:t>7/10/18</a:t>
             </a:fld>
             <a:endParaRPr lang="en-US" dirty="0"/>
           </a:p>
@@ -1228,7 +1228,7 @@
             <a:fld id="{87DE6118-2437-4B30-8E3C-4D2BE6020583}" type="datetimeFigureOut">
               <a:rPr lang="en-US" dirty="0"/>
               <a:pPr/>
-              <a:t>7/9/2018</a:t>
+              <a:t>7/10/18</a:t>
             </a:fld>
             <a:endParaRPr lang="en-US" dirty="0"/>
           </a:p>
@@ -1618,7 +1618,7 @@
           <a:p>
             <a:fld id="{87DE6118-2437-4B30-8E3C-4D2BE6020583}" type="datetimeFigureOut">
               <a:rPr lang="en-US" dirty="0"/>
-              <a:t>7/9/2018</a:t>
+              <a:t>7/10/18</a:t>
             </a:fld>
             <a:endParaRPr lang="en-US" dirty="0"/>
           </a:p>
@@ -2090,7 +2090,7 @@
           <a:p>
             <a:fld id="{87DE6118-2437-4B30-8E3C-4D2BE6020583}" type="datetimeFigureOut">
               <a:rPr lang="en-US" dirty="0"/>
-              <a:t>7/9/2018</a:t>
+              <a:t>7/10/18</a:t>
             </a:fld>
             <a:endParaRPr lang="en-US" dirty="0"/>
           </a:p>
@@ -2203,7 +2203,7 @@
           <a:p>
             <a:fld id="{87DE6118-2437-4B30-8E3C-4D2BE6020583}" type="datetimeFigureOut">
               <a:rPr lang="en-US" dirty="0"/>
-              <a:t>7/9/2018</a:t>
+              <a:t>7/10/18</a:t>
             </a:fld>
             <a:endParaRPr lang="en-US" dirty="0"/>
           </a:p>
@@ -2293,7 +2293,7 @@
           <a:p>
             <a:fld id="{87DE6118-2437-4B30-8E3C-4D2BE6020583}" type="datetimeFigureOut">
               <a:rPr lang="en-US" dirty="0"/>
-              <a:t>7/9/2018</a:t>
+              <a:t>7/10/18</a:t>
             </a:fld>
             <a:endParaRPr lang="en-US" dirty="0"/>
           </a:p>
@@ -2635,7 +2635,7 @@
             <a:fld id="{87DE6118-2437-4B30-8E3C-4D2BE6020583}" type="datetimeFigureOut">
               <a:rPr lang="en-US" dirty="0"/>
               <a:pPr/>
-              <a:t>7/9/2018</a:t>
+              <a:t>7/10/18</a:t>
             </a:fld>
             <a:endParaRPr lang="en-US" dirty="0"/>
           </a:p>
@@ -3020,7 +3020,7 @@
             <a:fld id="{87DE6118-2437-4B30-8E3C-4D2BE6020583}" type="datetimeFigureOut">
               <a:rPr lang="en-US" dirty="0"/>
               <a:pPr/>
-              <a:t>7/9/2018</a:t>
+              <a:t>7/10/18</a:t>
             </a:fld>
             <a:endParaRPr lang="en-US" dirty="0"/>
           </a:p>
@@ -3295,7 +3295,7 @@
             <a:fld id="{87DE6118-2437-4B30-8E3C-4D2BE6020583}" type="datetimeFigureOut">
               <a:rPr lang="en-US" dirty="0"/>
               <a:pPr/>
-              <a:t>7/9/2018</a:t>
+              <a:t>7/10/18</a:t>
             </a:fld>
             <a:endParaRPr lang="en-US" dirty="0"/>
           </a:p>
@@ -5076,7 +5076,12 @@
             <p:ph type="title"/>
           </p:nvPr>
         </p:nvSpPr>
-        <p:spPr/>
+        <p:spPr>
+          <a:xfrm>
+            <a:off x="1371600" y="2517568"/>
+            <a:ext cx="9601200" cy="1376053"/>
+          </a:xfrm>
+        </p:spPr>
         <p:txBody>
           <a:bodyPr/>
           <a:lstStyle/>
@@ -5084,7 +5089,7 @@
             <a:pPr algn="ctr"/>
             <a:r>
               <a:rPr lang="en-US" b="1" u="sng" dirty="0"/>
-              <a:t>Summary</a:t>
+              <a:t>DEMO</a:t>
             </a:r>
             <a:endParaRPr lang="en-US" dirty="0"/>
           </a:p>
